--- a/Vortrag/Sandbox ICONS.pptx
+++ b/Vortrag/Sandbox ICONS.pptx
@@ -6,6 +6,7 @@
   </p:sldMasterIdLst>
   <p:sldIdLst>
     <p:sldId id="256" r:id="rId2"/>
+    <p:sldId id="257" r:id="rId3"/>
   </p:sldIdLst>
   <p:sldSz cx="12192000" cy="6858000"/>
   <p:notesSz cx="6858000" cy="9144000"/>
@@ -107,7 +108,7 @@
   <p:extLst>
     <p:ext uri="{EFAFB233-063F-42B5-8137-9DF3F51BA10A}">
       <p15:sldGuideLst xmlns:p15="http://schemas.microsoft.com/office/powerpoint/2012/main">
-        <p15:guide id="1" orient="horz" pos="2160" userDrawn="1">
+        <p15:guide id="1" orient="horz" pos="2137" userDrawn="1">
           <p15:clr>
             <a:srgbClr val="A4A3A4"/>
           </p15:clr>
@@ -270,7 +271,7 @@
           <a:p>
             <a:fld id="{EDCB6E61-D46D-4E17-A541-C313F3A35E9D}" type="datetimeFigureOut">
               <a:rPr lang="de-DE" smtClean="0"/>
-              <a:t>17.05.2023</a:t>
+              <a:t>19.05.2023</a:t>
             </a:fld>
             <a:endParaRPr lang="de-DE"/>
           </a:p>
@@ -468,7 +469,7 @@
           <a:p>
             <a:fld id="{EDCB6E61-D46D-4E17-A541-C313F3A35E9D}" type="datetimeFigureOut">
               <a:rPr lang="de-DE" smtClean="0"/>
-              <a:t>17.05.2023</a:t>
+              <a:t>19.05.2023</a:t>
             </a:fld>
             <a:endParaRPr lang="de-DE"/>
           </a:p>
@@ -676,7 +677,7 @@
           <a:p>
             <a:fld id="{EDCB6E61-D46D-4E17-A541-C313F3A35E9D}" type="datetimeFigureOut">
               <a:rPr lang="de-DE" smtClean="0"/>
-              <a:t>17.05.2023</a:t>
+              <a:t>19.05.2023</a:t>
             </a:fld>
             <a:endParaRPr lang="de-DE"/>
           </a:p>
@@ -874,7 +875,7 @@
           <a:p>
             <a:fld id="{EDCB6E61-D46D-4E17-A541-C313F3A35E9D}" type="datetimeFigureOut">
               <a:rPr lang="de-DE" smtClean="0"/>
-              <a:t>17.05.2023</a:t>
+              <a:t>19.05.2023</a:t>
             </a:fld>
             <a:endParaRPr lang="de-DE"/>
           </a:p>
@@ -1149,7 +1150,7 @@
           <a:p>
             <a:fld id="{EDCB6E61-D46D-4E17-A541-C313F3A35E9D}" type="datetimeFigureOut">
               <a:rPr lang="de-DE" smtClean="0"/>
-              <a:t>17.05.2023</a:t>
+              <a:t>19.05.2023</a:t>
             </a:fld>
             <a:endParaRPr lang="de-DE"/>
           </a:p>
@@ -1414,7 +1415,7 @@
           <a:p>
             <a:fld id="{EDCB6E61-D46D-4E17-A541-C313F3A35E9D}" type="datetimeFigureOut">
               <a:rPr lang="de-DE" smtClean="0"/>
-              <a:t>17.05.2023</a:t>
+              <a:t>19.05.2023</a:t>
             </a:fld>
             <a:endParaRPr lang="de-DE"/>
           </a:p>
@@ -1826,7 +1827,7 @@
           <a:p>
             <a:fld id="{EDCB6E61-D46D-4E17-A541-C313F3A35E9D}" type="datetimeFigureOut">
               <a:rPr lang="de-DE" smtClean="0"/>
-              <a:t>17.05.2023</a:t>
+              <a:t>19.05.2023</a:t>
             </a:fld>
             <a:endParaRPr lang="de-DE"/>
           </a:p>
@@ -1967,7 +1968,7 @@
           <a:p>
             <a:fld id="{EDCB6E61-D46D-4E17-A541-C313F3A35E9D}" type="datetimeFigureOut">
               <a:rPr lang="de-DE" smtClean="0"/>
-              <a:t>17.05.2023</a:t>
+              <a:t>19.05.2023</a:t>
             </a:fld>
             <a:endParaRPr lang="de-DE"/>
           </a:p>
@@ -2080,7 +2081,7 @@
           <a:p>
             <a:fld id="{EDCB6E61-D46D-4E17-A541-C313F3A35E9D}" type="datetimeFigureOut">
               <a:rPr lang="de-DE" smtClean="0"/>
-              <a:t>17.05.2023</a:t>
+              <a:t>19.05.2023</a:t>
             </a:fld>
             <a:endParaRPr lang="de-DE"/>
           </a:p>
@@ -2391,7 +2392,7 @@
           <a:p>
             <a:fld id="{EDCB6E61-D46D-4E17-A541-C313F3A35E9D}" type="datetimeFigureOut">
               <a:rPr lang="de-DE" smtClean="0"/>
-              <a:t>17.05.2023</a:t>
+              <a:t>19.05.2023</a:t>
             </a:fld>
             <a:endParaRPr lang="de-DE"/>
           </a:p>
@@ -2679,7 +2680,7 @@
           <a:p>
             <a:fld id="{EDCB6E61-D46D-4E17-A541-C313F3A35E9D}" type="datetimeFigureOut">
               <a:rPr lang="de-DE" smtClean="0"/>
-              <a:t>17.05.2023</a:t>
+              <a:t>19.05.2023</a:t>
             </a:fld>
             <a:endParaRPr lang="de-DE"/>
           </a:p>
@@ -2920,7 +2921,7 @@
           <a:p>
             <a:fld id="{EDCB6E61-D46D-4E17-A541-C313F3A35E9D}" type="datetimeFigureOut">
               <a:rPr lang="de-DE" smtClean="0"/>
-              <a:t>17.05.2023</a:t>
+              <a:t>19.05.2023</a:t>
             </a:fld>
             <a:endParaRPr lang="de-DE"/>
           </a:p>
@@ -3698,8 +3699,8 @@
         </p:blipFill>
         <p:spPr>
           <a:xfrm>
-            <a:off x="5059680" y="5077595"/>
-            <a:ext cx="457200" cy="457200"/>
+            <a:off x="4003450" y="4550194"/>
+            <a:ext cx="2229016" cy="2229016"/>
           </a:xfrm>
           <a:prstGeom prst="rect">
             <a:avLst/>
@@ -3737,7 +3738,1107 @@
         </p:blipFill>
         <p:spPr>
           <a:xfrm>
-            <a:off x="8322214" y="5247249"/>
+            <a:off x="8816160" y="4092994"/>
+            <a:ext cx="457200" cy="457200"/>
+          </a:xfrm>
+          <a:prstGeom prst="rect">
+            <a:avLst/>
+          </a:prstGeom>
+        </p:spPr>
+      </p:pic>
+      <p:pic>
+        <p:nvPicPr>
+          <p:cNvPr id="3" name="Grafik 2" descr="Radiomikrofon mit einfarbiger Füllung">
+            <a:extLst>
+              <a:ext uri="{FF2B5EF4-FFF2-40B4-BE49-F238E27FC236}">
+                <a16:creationId xmlns:a16="http://schemas.microsoft.com/office/drawing/2014/main" id="{CC443D88-7041-DCBB-AE93-3EAD4B5F6B29}"/>
+              </a:ext>
+            </a:extLst>
+          </p:cNvPr>
+          <p:cNvPicPr>
+            <a:picLocks noChangeAspect="1"/>
+          </p:cNvPicPr>
+          <p:nvPr/>
+        </p:nvPicPr>
+        <p:blipFill>
+          <a:blip r:embed="rId21">
+            <a:extLst>
+              <a:ext uri="{28A0092B-C50C-407E-A947-70E740481C1C}">
+                <a14:useLocalDpi xmlns:a14="http://schemas.microsoft.com/office/drawing/2010/main" val="0"/>
+              </a:ext>
+              <a:ext uri="{96DAC541-7B7A-43D3-8B79-37D633B846F1}">
+                <asvg:svgBlip xmlns:asvg="http://schemas.microsoft.com/office/drawing/2016/SVG/main" r:embed="rId22"/>
+              </a:ext>
+            </a:extLst>
+          </a:blip>
+          <a:stretch>
+            <a:fillRect/>
+          </a:stretch>
+        </p:blipFill>
+        <p:spPr>
+          <a:xfrm>
+            <a:off x="4015485" y="3635794"/>
+            <a:ext cx="914400" cy="914400"/>
+          </a:xfrm>
+          <a:prstGeom prst="rect">
+            <a:avLst/>
+          </a:prstGeom>
+        </p:spPr>
+      </p:pic>
+      <p:pic>
+        <p:nvPicPr>
+          <p:cNvPr id="6" name="Grafik 5">
+            <a:extLst>
+              <a:ext uri="{FF2B5EF4-FFF2-40B4-BE49-F238E27FC236}">
+                <a16:creationId xmlns:a16="http://schemas.microsoft.com/office/drawing/2014/main" id="{2C94DD75-F001-EC20-95DA-693C81FFE974}"/>
+              </a:ext>
+            </a:extLst>
+          </p:cNvPr>
+          <p:cNvPicPr>
+            <a:picLocks noChangeAspect="1"/>
+          </p:cNvPicPr>
+          <p:nvPr/>
+        </p:nvPicPr>
+        <p:blipFill>
+          <a:blip r:embed="rId23">
+            <a:extLst>
+              <a:ext uri="{28A0092B-C50C-407E-A947-70E740481C1C}">
+                <a14:useLocalDpi xmlns:a14="http://schemas.microsoft.com/office/drawing/2010/main" val="0"/>
+              </a:ext>
+              <a:ext uri="{96DAC541-7B7A-43D3-8B79-37D633B846F1}">
+                <asvg:svgBlip xmlns:asvg="http://schemas.microsoft.com/office/drawing/2016/SVG/main" r:embed="rId24"/>
+              </a:ext>
+            </a:extLst>
+          </a:blip>
+          <a:stretch>
+            <a:fillRect/>
+          </a:stretch>
+        </p:blipFill>
+        <p:spPr>
+          <a:xfrm>
+            <a:off x="6287852" y="2058634"/>
+            <a:ext cx="2491560" cy="2491560"/>
+          </a:xfrm>
+          <a:prstGeom prst="rect">
+            <a:avLst/>
+          </a:prstGeom>
+        </p:spPr>
+      </p:pic>
+      <p:pic>
+        <p:nvPicPr>
+          <p:cNvPr id="10" name="Grafik 9">
+            <a:extLst>
+              <a:ext uri="{FF2B5EF4-FFF2-40B4-BE49-F238E27FC236}">
+                <a16:creationId xmlns:a16="http://schemas.microsoft.com/office/drawing/2014/main" id="{68A3064F-B36A-A6BA-C30E-F4420D23E380}"/>
+              </a:ext>
+            </a:extLst>
+          </p:cNvPr>
+          <p:cNvPicPr>
+            <a:picLocks noChangeAspect="1"/>
+          </p:cNvPicPr>
+          <p:nvPr/>
+        </p:nvPicPr>
+        <p:blipFill>
+          <a:blip r:embed="rId25">
+            <a:extLst>
+              <a:ext uri="{28A0092B-C50C-407E-A947-70E740481C1C}">
+                <a14:useLocalDpi xmlns:a14="http://schemas.microsoft.com/office/drawing/2010/main" val="0"/>
+              </a:ext>
+              <a:ext uri="{96DAC541-7B7A-43D3-8B79-37D633B846F1}">
+                <asvg:svgBlip xmlns:asvg="http://schemas.microsoft.com/office/drawing/2016/SVG/main" r:embed="rId26"/>
+              </a:ext>
+            </a:extLst>
+          </a:blip>
+          <a:stretch>
+            <a:fillRect/>
+          </a:stretch>
+        </p:blipFill>
+        <p:spPr>
+          <a:xfrm>
+            <a:off x="9222500" y="2919621"/>
+            <a:ext cx="1616309" cy="1616309"/>
+          </a:xfrm>
+          <a:prstGeom prst="rect">
+            <a:avLst/>
+          </a:prstGeom>
+        </p:spPr>
+      </p:pic>
+      <p:pic>
+        <p:nvPicPr>
+          <p:cNvPr id="16" name="Grafik 15">
+            <a:extLst>
+              <a:ext uri="{FF2B5EF4-FFF2-40B4-BE49-F238E27FC236}">
+                <a16:creationId xmlns:a16="http://schemas.microsoft.com/office/drawing/2014/main" id="{CDC56FB5-7580-B731-94B1-C39B4E0C1E2C}"/>
+              </a:ext>
+            </a:extLst>
+          </p:cNvPr>
+          <p:cNvPicPr>
+            <a:picLocks noChangeAspect="1"/>
+          </p:cNvPicPr>
+          <p:nvPr/>
+        </p:nvPicPr>
+        <p:blipFill>
+          <a:blip r:embed="rId27">
+            <a:extLst>
+              <a:ext uri="{28A0092B-C50C-407E-A947-70E740481C1C}">
+                <a14:useLocalDpi xmlns:a14="http://schemas.microsoft.com/office/drawing/2010/main" val="0"/>
+              </a:ext>
+              <a:ext uri="{96DAC541-7B7A-43D3-8B79-37D633B846F1}">
+                <asvg:svgBlip xmlns:asvg="http://schemas.microsoft.com/office/drawing/2016/SVG/main" r:embed="rId28"/>
+              </a:ext>
+            </a:extLst>
+          </a:blip>
+          <a:stretch>
+            <a:fillRect/>
+          </a:stretch>
+        </p:blipFill>
+        <p:spPr>
+          <a:xfrm>
+            <a:off x="1519808" y="4421639"/>
+            <a:ext cx="1555202" cy="1555202"/>
+          </a:xfrm>
+          <a:prstGeom prst="rect">
+            <a:avLst/>
+          </a:prstGeom>
+        </p:spPr>
+      </p:pic>
+      <p:pic>
+        <p:nvPicPr>
+          <p:cNvPr id="19" name="Grafik 18">
+            <a:extLst>
+              <a:ext uri="{FF2B5EF4-FFF2-40B4-BE49-F238E27FC236}">
+                <a16:creationId xmlns:a16="http://schemas.microsoft.com/office/drawing/2014/main" id="{11E387F7-17C0-D228-1988-707AD2471E76}"/>
+              </a:ext>
+            </a:extLst>
+          </p:cNvPr>
+          <p:cNvPicPr>
+            <a:picLocks noChangeAspect="1"/>
+          </p:cNvPicPr>
+          <p:nvPr/>
+        </p:nvPicPr>
+        <p:blipFill>
+          <a:blip r:embed="rId29">
+            <a:extLst>
+              <a:ext uri="{28A0092B-C50C-407E-A947-70E740481C1C}">
+                <a14:useLocalDpi xmlns:a14="http://schemas.microsoft.com/office/drawing/2010/main" val="0"/>
+              </a:ext>
+              <a:ext uri="{96DAC541-7B7A-43D3-8B79-37D633B846F1}">
+                <asvg:svgBlip xmlns:asvg="http://schemas.microsoft.com/office/drawing/2016/SVG/main" r:embed="rId30"/>
+              </a:ext>
+            </a:extLst>
+          </a:blip>
+          <a:stretch>
+            <a:fillRect/>
+          </a:stretch>
+        </p:blipFill>
+        <p:spPr>
+          <a:xfrm>
+            <a:off x="5671886" y="256478"/>
+            <a:ext cx="1655586" cy="1655586"/>
+          </a:xfrm>
+          <a:prstGeom prst="rect">
+            <a:avLst/>
+          </a:prstGeom>
+        </p:spPr>
+      </p:pic>
+      <p:pic>
+        <p:nvPicPr>
+          <p:cNvPr id="23" name="Grafik 22" descr="Bücher mit einfarbiger Füllung">
+            <a:extLst>
+              <a:ext uri="{FF2B5EF4-FFF2-40B4-BE49-F238E27FC236}">
+                <a16:creationId xmlns:a16="http://schemas.microsoft.com/office/drawing/2014/main" id="{AAF09E47-3DA4-BE06-10D0-0122B1040E1A}"/>
+              </a:ext>
+            </a:extLst>
+          </p:cNvPr>
+          <p:cNvPicPr>
+            <a:picLocks noChangeAspect="1"/>
+          </p:cNvPicPr>
+          <p:nvPr/>
+        </p:nvPicPr>
+        <p:blipFill>
+          <a:blip r:embed="rId31">
+            <a:extLst>
+              <a:ext uri="{28A0092B-C50C-407E-A947-70E740481C1C}">
+                <a14:useLocalDpi xmlns:a14="http://schemas.microsoft.com/office/drawing/2010/main" val="0"/>
+              </a:ext>
+              <a:ext uri="{96DAC541-7B7A-43D3-8B79-37D633B846F1}">
+                <asvg:svgBlip xmlns:asvg="http://schemas.microsoft.com/office/drawing/2016/SVG/main" r:embed="rId32"/>
+              </a:ext>
+            </a:extLst>
+          </a:blip>
+          <a:stretch>
+            <a:fillRect/>
+          </a:stretch>
+        </p:blipFill>
+        <p:spPr>
+          <a:xfrm>
+            <a:off x="3912743" y="2490101"/>
+            <a:ext cx="914400" cy="914400"/>
+          </a:xfrm>
+          <a:prstGeom prst="rect">
+            <a:avLst/>
+          </a:prstGeom>
+        </p:spPr>
+      </p:pic>
+      <p:pic>
+        <p:nvPicPr>
+          <p:cNvPr id="26" name="Grafik 25">
+            <a:extLst>
+              <a:ext uri="{FF2B5EF4-FFF2-40B4-BE49-F238E27FC236}">
+                <a16:creationId xmlns:a16="http://schemas.microsoft.com/office/drawing/2014/main" id="{77253330-C2B6-880B-DA37-EF5E78F952B3}"/>
+              </a:ext>
+            </a:extLst>
+          </p:cNvPr>
+          <p:cNvPicPr>
+            <a:picLocks noChangeAspect="1"/>
+          </p:cNvPicPr>
+          <p:nvPr/>
+        </p:nvPicPr>
+        <p:blipFill>
+          <a:blip r:embed="rId33">
+            <a:extLst>
+              <a:ext uri="{28A0092B-C50C-407E-A947-70E740481C1C}">
+                <a14:useLocalDpi xmlns:a14="http://schemas.microsoft.com/office/drawing/2010/main" val="0"/>
+              </a:ext>
+              <a:ext uri="{96DAC541-7B7A-43D3-8B79-37D633B846F1}">
+                <asvg:svgBlip xmlns:asvg="http://schemas.microsoft.com/office/drawing/2016/SVG/main" r:embed="rId34"/>
+              </a:ext>
+            </a:extLst>
+          </a:blip>
+          <a:stretch>
+            <a:fillRect/>
+          </a:stretch>
+        </p:blipFill>
+        <p:spPr>
+          <a:xfrm>
+            <a:off x="3163862" y="138926"/>
+            <a:ext cx="1655586" cy="1655586"/>
+          </a:xfrm>
+          <a:prstGeom prst="rect">
+            <a:avLst/>
+          </a:prstGeom>
+        </p:spPr>
+      </p:pic>
+      <p:pic>
+        <p:nvPicPr>
+          <p:cNvPr id="1026" name="Picture 2">
+            <a:extLst>
+              <a:ext uri="{FF2B5EF4-FFF2-40B4-BE49-F238E27FC236}">
+                <a16:creationId xmlns:a16="http://schemas.microsoft.com/office/drawing/2014/main" id="{C825E9A5-0767-E926-D522-07D95F45E0B2}"/>
+              </a:ext>
+            </a:extLst>
+          </p:cNvPr>
+          <p:cNvPicPr>
+            <a:picLocks noChangeAspect="1" noChangeArrowheads="1"/>
+          </p:cNvPicPr>
+          <p:nvPr/>
+        </p:nvPicPr>
+        <p:blipFill>
+          <a:blip r:embed="rId35">
+            <a:extLst>
+              <a:ext uri="{28A0092B-C50C-407E-A947-70E740481C1C}">
+                <a14:useLocalDpi xmlns:a14="http://schemas.microsoft.com/office/drawing/2010/main" val="0"/>
+              </a:ext>
+            </a:extLst>
+          </a:blip>
+          <a:srcRect/>
+          <a:stretch>
+            <a:fillRect/>
+          </a:stretch>
+        </p:blipFill>
+        <p:spPr bwMode="auto">
+          <a:xfrm>
+            <a:off x="10137379" y="958458"/>
+            <a:ext cx="2428875" cy="2428875"/>
+          </a:xfrm>
+          <a:prstGeom prst="rect">
+            <a:avLst/>
+          </a:prstGeom>
+          <a:noFill/>
+          <a:extLst>
+            <a:ext uri="{909E8E84-426E-40DD-AFC4-6F175D3DCCD1}">
+              <a14:hiddenFill xmlns:a14="http://schemas.microsoft.com/office/drawing/2010/main">
+                <a:solidFill>
+                  <a:srgbClr val="FFFFFF"/>
+                </a:solidFill>
+              </a14:hiddenFill>
+            </a:ext>
+          </a:extLst>
+        </p:spPr>
+      </p:pic>
+      <p:pic>
+        <p:nvPicPr>
+          <p:cNvPr id="31" name="Grafik 30">
+            <a:extLst>
+              <a:ext uri="{FF2B5EF4-FFF2-40B4-BE49-F238E27FC236}">
+                <a16:creationId xmlns:a16="http://schemas.microsoft.com/office/drawing/2014/main" id="{439FB72D-A636-0BAC-696A-89FA06334675}"/>
+              </a:ext>
+            </a:extLst>
+          </p:cNvPr>
+          <p:cNvPicPr>
+            <a:picLocks noChangeAspect="1"/>
+          </p:cNvPicPr>
+          <p:nvPr/>
+        </p:nvPicPr>
+        <p:blipFill>
+          <a:blip r:embed="rId36">
+            <a:extLst>
+              <a:ext uri="{28A0092B-C50C-407E-A947-70E740481C1C}">
+                <a14:useLocalDpi xmlns:a14="http://schemas.microsoft.com/office/drawing/2010/main" val="0"/>
+              </a:ext>
+              <a:ext uri="{96DAC541-7B7A-43D3-8B79-37D633B846F1}">
+                <asvg:svgBlip xmlns:asvg="http://schemas.microsoft.com/office/drawing/2016/SVG/main" r:embed="rId37"/>
+              </a:ext>
+            </a:extLst>
+          </a:blip>
+          <a:stretch>
+            <a:fillRect/>
+          </a:stretch>
+        </p:blipFill>
+        <p:spPr>
+          <a:xfrm>
+            <a:off x="7647932" y="5252964"/>
+            <a:ext cx="457200" cy="457200"/>
+          </a:xfrm>
+          <a:prstGeom prst="rect">
+            <a:avLst/>
+          </a:prstGeom>
+        </p:spPr>
+      </p:pic>
+      <p:pic>
+        <p:nvPicPr>
+          <p:cNvPr id="33" name="Grafik 32">
+            <a:extLst>
+              <a:ext uri="{FF2B5EF4-FFF2-40B4-BE49-F238E27FC236}">
+                <a16:creationId xmlns:a16="http://schemas.microsoft.com/office/drawing/2014/main" id="{75B6ACE0-785D-8502-6D17-5725662033D2}"/>
+              </a:ext>
+            </a:extLst>
+          </p:cNvPr>
+          <p:cNvPicPr>
+            <a:picLocks noChangeAspect="1"/>
+          </p:cNvPicPr>
+          <p:nvPr/>
+        </p:nvPicPr>
+        <p:blipFill>
+          <a:blip r:embed="rId38">
+            <a:extLst>
+              <a:ext uri="{28A0092B-C50C-407E-A947-70E740481C1C}">
+                <a14:useLocalDpi xmlns:a14="http://schemas.microsoft.com/office/drawing/2010/main" val="0"/>
+              </a:ext>
+              <a:ext uri="{96DAC541-7B7A-43D3-8B79-37D633B846F1}">
+                <asvg:svgBlip xmlns:asvg="http://schemas.microsoft.com/office/drawing/2016/SVG/main" r:embed="rId39"/>
+              </a:ext>
+            </a:extLst>
+          </a:blip>
+          <a:stretch>
+            <a:fillRect/>
+          </a:stretch>
+        </p:blipFill>
+        <p:spPr>
+          <a:xfrm>
+            <a:off x="6553200" y="5748241"/>
+            <a:ext cx="457200" cy="457200"/>
+          </a:xfrm>
+          <a:prstGeom prst="rect">
+            <a:avLst/>
+          </a:prstGeom>
+        </p:spPr>
+      </p:pic>
+      <p:pic>
+        <p:nvPicPr>
+          <p:cNvPr id="35" name="Grafik 34">
+            <a:extLst>
+              <a:ext uri="{FF2B5EF4-FFF2-40B4-BE49-F238E27FC236}">
+                <a16:creationId xmlns:a16="http://schemas.microsoft.com/office/drawing/2014/main" id="{7FB0A79F-14AD-512B-AC9D-E6D41D9B7946}"/>
+              </a:ext>
+            </a:extLst>
+          </p:cNvPr>
+          <p:cNvPicPr>
+            <a:picLocks noChangeAspect="1"/>
+          </p:cNvPicPr>
+          <p:nvPr/>
+        </p:nvPicPr>
+        <p:blipFill>
+          <a:blip r:embed="rId40">
+            <a:extLst>
+              <a:ext uri="{28A0092B-C50C-407E-A947-70E740481C1C}">
+                <a14:useLocalDpi xmlns:a14="http://schemas.microsoft.com/office/drawing/2010/main" val="0"/>
+              </a:ext>
+              <a:ext uri="{96DAC541-7B7A-43D3-8B79-37D633B846F1}">
+                <asvg:svgBlip xmlns:asvg="http://schemas.microsoft.com/office/drawing/2016/SVG/main" r:embed="rId41"/>
+              </a:ext>
+            </a:extLst>
+          </a:blip>
+          <a:stretch>
+            <a:fillRect/>
+          </a:stretch>
+        </p:blipFill>
+        <p:spPr>
+          <a:xfrm>
+            <a:off x="10068724" y="3876906"/>
+            <a:ext cx="2714703" cy="2714703"/>
+          </a:xfrm>
+          <a:prstGeom prst="rect">
+            <a:avLst/>
+          </a:prstGeom>
+        </p:spPr>
+      </p:pic>
+      <p:pic>
+        <p:nvPicPr>
+          <p:cNvPr id="37" name="Grafik 36" descr="Erdkugel: Afrika und Europa mit einfarbiger Füllung">
+            <a:extLst>
+              <a:ext uri="{FF2B5EF4-FFF2-40B4-BE49-F238E27FC236}">
+                <a16:creationId xmlns:a16="http://schemas.microsoft.com/office/drawing/2014/main" id="{92BC4A5E-DFD5-D122-0388-DE6F97BBC54A}"/>
+              </a:ext>
+            </a:extLst>
+          </p:cNvPr>
+          <p:cNvPicPr>
+            <a:picLocks noChangeAspect="1"/>
+          </p:cNvPicPr>
+          <p:nvPr/>
+        </p:nvPicPr>
+        <p:blipFill>
+          <a:blip r:embed="rId42">
+            <a:extLst>
+              <a:ext uri="{28A0092B-C50C-407E-A947-70E740481C1C}">
+                <a14:useLocalDpi xmlns:a14="http://schemas.microsoft.com/office/drawing/2010/main" val="0"/>
+              </a:ext>
+              <a:ext uri="{96DAC541-7B7A-43D3-8B79-37D633B846F1}">
+                <asvg:svgBlip xmlns:asvg="http://schemas.microsoft.com/office/drawing/2016/SVG/main" r:embed="rId43"/>
+              </a:ext>
+            </a:extLst>
+          </a:blip>
+          <a:stretch>
+            <a:fillRect/>
+          </a:stretch>
+        </p:blipFill>
+        <p:spPr>
+          <a:xfrm>
+            <a:off x="5638800" y="2971800"/>
+            <a:ext cx="914400" cy="914400"/>
+          </a:xfrm>
+          <a:prstGeom prst="rect">
+            <a:avLst/>
+          </a:prstGeom>
+        </p:spPr>
+      </p:pic>
+      <p:pic>
+        <p:nvPicPr>
+          <p:cNvPr id="39" name="Grafik 38">
+            <a:extLst>
+              <a:ext uri="{FF2B5EF4-FFF2-40B4-BE49-F238E27FC236}">
+                <a16:creationId xmlns:a16="http://schemas.microsoft.com/office/drawing/2014/main" id="{BB40EDC6-88D0-8645-60C0-0ED9E4797939}"/>
+              </a:ext>
+            </a:extLst>
+          </p:cNvPr>
+          <p:cNvPicPr>
+            <a:picLocks noChangeAspect="1"/>
+          </p:cNvPicPr>
+          <p:nvPr/>
+        </p:nvPicPr>
+        <p:blipFill>
+          <a:blip r:embed="rId44">
+            <a:extLst>
+              <a:ext uri="{28A0092B-C50C-407E-A947-70E740481C1C}">
+                <a14:useLocalDpi xmlns:a14="http://schemas.microsoft.com/office/drawing/2010/main" val="0"/>
+              </a:ext>
+              <a:ext uri="{96DAC541-7B7A-43D3-8B79-37D633B846F1}">
+                <asvg:svgBlip xmlns:asvg="http://schemas.microsoft.com/office/drawing/2016/SVG/main" r:embed="rId45"/>
+              </a:ext>
+            </a:extLst>
+          </a:blip>
+          <a:stretch>
+            <a:fillRect/>
+          </a:stretch>
+        </p:blipFill>
+        <p:spPr>
+          <a:xfrm>
+            <a:off x="8993900" y="5481564"/>
+            <a:ext cx="457200" cy="457200"/>
+          </a:xfrm>
+          <a:prstGeom prst="rect">
+            <a:avLst/>
+          </a:prstGeom>
+        </p:spPr>
+      </p:pic>
+      <p:pic>
+        <p:nvPicPr>
+          <p:cNvPr id="42" name="Grafik 41">
+            <a:extLst>
+              <a:ext uri="{FF2B5EF4-FFF2-40B4-BE49-F238E27FC236}">
+                <a16:creationId xmlns:a16="http://schemas.microsoft.com/office/drawing/2014/main" id="{224E14EE-FBC1-3329-FB8A-977FB3273210}"/>
+              </a:ext>
+            </a:extLst>
+          </p:cNvPr>
+          <p:cNvPicPr>
+            <a:picLocks noChangeAspect="1"/>
+          </p:cNvPicPr>
+          <p:nvPr/>
+        </p:nvPicPr>
+        <p:blipFill>
+          <a:blip r:embed="rId46">
+            <a:extLst>
+              <a:ext uri="{28A0092B-C50C-407E-A947-70E740481C1C}">
+                <a14:useLocalDpi xmlns:a14="http://schemas.microsoft.com/office/drawing/2010/main" val="0"/>
+              </a:ext>
+              <a:ext uri="{96DAC541-7B7A-43D3-8B79-37D633B846F1}">
+                <asvg:svgBlip xmlns:asvg="http://schemas.microsoft.com/office/drawing/2016/SVG/main" r:embed="rId47"/>
+              </a:ext>
+            </a:extLst>
+          </a:blip>
+          <a:stretch>
+            <a:fillRect/>
+          </a:stretch>
+        </p:blipFill>
+        <p:spPr>
+          <a:xfrm>
+            <a:off x="740426" y="6320702"/>
+            <a:ext cx="457200" cy="457200"/>
+          </a:xfrm>
+          <a:prstGeom prst="rect">
+            <a:avLst/>
+          </a:prstGeom>
+        </p:spPr>
+      </p:pic>
+      <p:pic>
+        <p:nvPicPr>
+          <p:cNvPr id="44" name="Grafik 43">
+            <a:extLst>
+              <a:ext uri="{FF2B5EF4-FFF2-40B4-BE49-F238E27FC236}">
+                <a16:creationId xmlns:a16="http://schemas.microsoft.com/office/drawing/2014/main" id="{97CD963A-0D10-0884-4415-51CFA62FFC7A}"/>
+              </a:ext>
+            </a:extLst>
+          </p:cNvPr>
+          <p:cNvPicPr>
+            <a:picLocks noChangeAspect="1"/>
+          </p:cNvPicPr>
+          <p:nvPr/>
+        </p:nvPicPr>
+        <p:blipFill>
+          <a:blip r:embed="rId48">
+            <a:extLst>
+              <a:ext uri="{28A0092B-C50C-407E-A947-70E740481C1C}">
+                <a14:useLocalDpi xmlns:a14="http://schemas.microsoft.com/office/drawing/2010/main" val="0"/>
+              </a:ext>
+              <a:ext uri="{96DAC541-7B7A-43D3-8B79-37D633B846F1}">
+                <asvg:svgBlip xmlns:asvg="http://schemas.microsoft.com/office/drawing/2016/SVG/main" r:embed="rId49"/>
+              </a:ext>
+            </a:extLst>
+          </a:blip>
+          <a:stretch>
+            <a:fillRect/>
+          </a:stretch>
+        </p:blipFill>
+        <p:spPr>
+          <a:xfrm>
+            <a:off x="2269588" y="2810291"/>
+            <a:ext cx="457200" cy="457200"/>
+          </a:xfrm>
+          <a:prstGeom prst="rect">
+            <a:avLst/>
+          </a:prstGeom>
+        </p:spPr>
+      </p:pic>
+      <p:pic>
+        <p:nvPicPr>
+          <p:cNvPr id="48" name="Grafik 47" descr="Verbindungen mit einfarbiger Füllung">
+            <a:extLst>
+              <a:ext uri="{FF2B5EF4-FFF2-40B4-BE49-F238E27FC236}">
+                <a16:creationId xmlns:a16="http://schemas.microsoft.com/office/drawing/2014/main" id="{09156A82-8741-DED9-F175-D2B63020E628}"/>
+              </a:ext>
+            </a:extLst>
+          </p:cNvPr>
+          <p:cNvPicPr>
+            <a:picLocks noChangeAspect="1"/>
+          </p:cNvPicPr>
+          <p:nvPr/>
+        </p:nvPicPr>
+        <p:blipFill>
+          <a:blip r:embed="rId50">
+            <a:extLst>
+              <a:ext uri="{28A0092B-C50C-407E-A947-70E740481C1C}">
+                <a14:useLocalDpi xmlns:a14="http://schemas.microsoft.com/office/drawing/2010/main" val="0"/>
+              </a:ext>
+              <a:ext uri="{96DAC541-7B7A-43D3-8B79-37D633B846F1}">
+                <asvg:svgBlip xmlns:asvg="http://schemas.microsoft.com/office/drawing/2016/SVG/main" r:embed="rId51"/>
+              </a:ext>
+            </a:extLst>
+          </a:blip>
+          <a:stretch>
+            <a:fillRect/>
+          </a:stretch>
+        </p:blipFill>
+        <p:spPr>
+          <a:xfrm>
+            <a:off x="4843863" y="4036672"/>
+            <a:ext cx="914400" cy="914400"/>
+          </a:xfrm>
+          <a:prstGeom prst="rect">
+            <a:avLst/>
+          </a:prstGeom>
+        </p:spPr>
+      </p:pic>
+      <p:pic>
+        <p:nvPicPr>
+          <p:cNvPr id="50" name="Grafik 49" descr="Standardformen mit einfarbiger Füllung">
+            <a:extLst>
+              <a:ext uri="{FF2B5EF4-FFF2-40B4-BE49-F238E27FC236}">
+                <a16:creationId xmlns:a16="http://schemas.microsoft.com/office/drawing/2014/main" id="{197FC5B2-0CFF-AB18-4A28-AF92BFDC42A1}"/>
+              </a:ext>
+            </a:extLst>
+          </p:cNvPr>
+          <p:cNvPicPr>
+            <a:picLocks noChangeAspect="1"/>
+          </p:cNvPicPr>
+          <p:nvPr/>
+        </p:nvPicPr>
+        <p:blipFill>
+          <a:blip r:embed="rId52">
+            <a:extLst>
+              <a:ext uri="{28A0092B-C50C-407E-A947-70E740481C1C}">
+                <a14:useLocalDpi xmlns:a14="http://schemas.microsoft.com/office/drawing/2010/main" val="0"/>
+              </a:ext>
+              <a:ext uri="{96DAC541-7B7A-43D3-8B79-37D633B846F1}">
+                <asvg:svgBlip xmlns:asvg="http://schemas.microsoft.com/office/drawing/2016/SVG/main" r:embed="rId53"/>
+              </a:ext>
+            </a:extLst>
+          </a:blip>
+          <a:stretch>
+            <a:fillRect/>
+          </a:stretch>
+        </p:blipFill>
+        <p:spPr>
+          <a:xfrm>
+            <a:off x="5479885" y="1887360"/>
+            <a:ext cx="914400" cy="914400"/>
+          </a:xfrm>
+          <a:prstGeom prst="rect">
+            <a:avLst/>
+          </a:prstGeom>
+        </p:spPr>
+      </p:pic>
+      <p:pic>
+        <p:nvPicPr>
+          <p:cNvPr id="52" name="Grafik 51" descr="Projektorleinwand Silhouette">
+            <a:extLst>
+              <a:ext uri="{FF2B5EF4-FFF2-40B4-BE49-F238E27FC236}">
+                <a16:creationId xmlns:a16="http://schemas.microsoft.com/office/drawing/2014/main" id="{92798328-7FFF-6DC0-545D-36A6A2C46F4D}"/>
+              </a:ext>
+            </a:extLst>
+          </p:cNvPr>
+          <p:cNvPicPr>
+            <a:picLocks noChangeAspect="1"/>
+          </p:cNvPicPr>
+          <p:nvPr/>
+        </p:nvPicPr>
+        <p:blipFill>
+          <a:blip r:embed="rId54">
+            <a:extLst>
+              <a:ext uri="{28A0092B-C50C-407E-A947-70E740481C1C}">
+                <a14:useLocalDpi xmlns:a14="http://schemas.microsoft.com/office/drawing/2010/main" val="0"/>
+              </a:ext>
+              <a:ext uri="{96DAC541-7B7A-43D3-8B79-37D633B846F1}">
+                <asvg:svgBlip xmlns:asvg="http://schemas.microsoft.com/office/drawing/2016/SVG/main" r:embed="rId55"/>
+              </a:ext>
+            </a:extLst>
+          </a:blip>
+          <a:stretch>
+            <a:fillRect/>
+          </a:stretch>
+        </p:blipFill>
+        <p:spPr>
+          <a:xfrm>
+            <a:off x="3636699" y="4421639"/>
+            <a:ext cx="914400" cy="914400"/>
+          </a:xfrm>
+          <a:prstGeom prst="rect">
+            <a:avLst/>
+          </a:prstGeom>
+        </p:spPr>
+      </p:pic>
+      <p:pic>
+        <p:nvPicPr>
+          <p:cNvPr id="54" name="Grafik 53" descr="Bild mit einfarbiger Füllung">
+            <a:extLst>
+              <a:ext uri="{FF2B5EF4-FFF2-40B4-BE49-F238E27FC236}">
+                <a16:creationId xmlns:a16="http://schemas.microsoft.com/office/drawing/2014/main" id="{F40AEC39-1E4E-73F1-5EBA-C05617671DD7}"/>
+              </a:ext>
+            </a:extLst>
+          </p:cNvPr>
+          <p:cNvPicPr>
+            <a:picLocks noChangeAspect="1"/>
+          </p:cNvPicPr>
+          <p:nvPr/>
+        </p:nvPicPr>
+        <p:blipFill>
+          <a:blip r:embed="rId56">
+            <a:extLst>
+              <a:ext uri="{28A0092B-C50C-407E-A947-70E740481C1C}">
+                <a14:useLocalDpi xmlns:a14="http://schemas.microsoft.com/office/drawing/2010/main" val="0"/>
+              </a:ext>
+              <a:ext uri="{96DAC541-7B7A-43D3-8B79-37D633B846F1}">
+                <asvg:svgBlip xmlns:asvg="http://schemas.microsoft.com/office/drawing/2016/SVG/main" r:embed="rId57"/>
+              </a:ext>
+            </a:extLst>
+          </a:blip>
+          <a:stretch>
+            <a:fillRect/>
+          </a:stretch>
+        </p:blipFill>
+        <p:spPr>
+          <a:xfrm>
+            <a:off x="7504348" y="4078730"/>
+            <a:ext cx="914400" cy="914400"/>
+          </a:xfrm>
+          <a:prstGeom prst="rect">
+            <a:avLst/>
+          </a:prstGeom>
+        </p:spPr>
+      </p:pic>
+      <p:pic>
+        <p:nvPicPr>
+          <p:cNvPr id="4" name="Grafik 3" descr="Daumen hoch-Zeichen mit einfarbiger Füllung">
+            <a:extLst>
+              <a:ext uri="{FF2B5EF4-FFF2-40B4-BE49-F238E27FC236}">
+                <a16:creationId xmlns:a16="http://schemas.microsoft.com/office/drawing/2014/main" id="{53EB2D0B-8B2C-C0DE-6642-33AA37E7903F}"/>
+              </a:ext>
+            </a:extLst>
+          </p:cNvPr>
+          <p:cNvPicPr>
+            <a:picLocks noChangeAspect="1"/>
+          </p:cNvPicPr>
+          <p:nvPr/>
+        </p:nvPicPr>
+        <p:blipFill>
+          <a:blip r:embed="rId58">
+            <a:extLst>
+              <a:ext uri="{28A0092B-C50C-407E-A947-70E740481C1C}">
+                <a14:useLocalDpi xmlns:a14="http://schemas.microsoft.com/office/drawing/2010/main" val="0"/>
+              </a:ext>
+              <a:ext uri="{96DAC541-7B7A-43D3-8B79-37D633B846F1}">
+                <asvg:svgBlip xmlns:asvg="http://schemas.microsoft.com/office/drawing/2016/SVG/main" r:embed="rId59"/>
+              </a:ext>
+            </a:extLst>
+          </a:blip>
+          <a:stretch>
+            <a:fillRect/>
+          </a:stretch>
+        </p:blipFill>
+        <p:spPr>
+          <a:xfrm>
+            <a:off x="664926" y="5159628"/>
+            <a:ext cx="914400" cy="914400"/>
+          </a:xfrm>
+          <a:prstGeom prst="rect">
+            <a:avLst/>
+          </a:prstGeom>
+        </p:spPr>
+      </p:pic>
+      <p:pic>
+        <p:nvPicPr>
+          <p:cNvPr id="12" name="Grafik 11">
+            <a:extLst>
+              <a:ext uri="{FF2B5EF4-FFF2-40B4-BE49-F238E27FC236}">
+                <a16:creationId xmlns:a16="http://schemas.microsoft.com/office/drawing/2014/main" id="{1DADEF87-187B-435B-40F0-46CF6AD90B52}"/>
+              </a:ext>
+            </a:extLst>
+          </p:cNvPr>
+          <p:cNvPicPr>
+            <a:picLocks noChangeAspect="1"/>
+          </p:cNvPicPr>
+          <p:nvPr/>
+        </p:nvPicPr>
+        <p:blipFill>
+          <a:blip r:embed="rId60">
+            <a:extLst>
+              <a:ext uri="{28A0092B-C50C-407E-A947-70E740481C1C}">
+                <a14:useLocalDpi xmlns:a14="http://schemas.microsoft.com/office/drawing/2010/main" val="0"/>
+              </a:ext>
+              <a:ext uri="{96DAC541-7B7A-43D3-8B79-37D633B846F1}">
+                <asvg:svgBlip xmlns:asvg="http://schemas.microsoft.com/office/drawing/2016/SVG/main" r:embed="rId61"/>
+              </a:ext>
+            </a:extLst>
+          </a:blip>
+          <a:stretch>
+            <a:fillRect/>
+          </a:stretch>
+        </p:blipFill>
+        <p:spPr>
+          <a:xfrm>
+            <a:off x="1723424" y="2261501"/>
+            <a:ext cx="457200" cy="457200"/>
+          </a:xfrm>
+          <a:prstGeom prst="rect">
+            <a:avLst/>
+          </a:prstGeom>
+        </p:spPr>
+      </p:pic>
+      <p:pic>
+        <p:nvPicPr>
+          <p:cNvPr id="21" name="Grafik 20" descr="Lupe mit einfarbiger Füllung">
+            <a:extLst>
+              <a:ext uri="{FF2B5EF4-FFF2-40B4-BE49-F238E27FC236}">
+                <a16:creationId xmlns:a16="http://schemas.microsoft.com/office/drawing/2014/main" id="{BAD61882-6D48-43B2-A886-4207489A07DC}"/>
+              </a:ext>
+            </a:extLst>
+          </p:cNvPr>
+          <p:cNvPicPr>
+            <a:picLocks noChangeAspect="1"/>
+          </p:cNvPicPr>
+          <p:nvPr/>
+        </p:nvPicPr>
+        <p:blipFill>
+          <a:blip r:embed="rId62">
+            <a:extLst>
+              <a:ext uri="{28A0092B-C50C-407E-A947-70E740481C1C}">
+                <a14:useLocalDpi xmlns:a14="http://schemas.microsoft.com/office/drawing/2010/main" val="0"/>
+              </a:ext>
+              <a:ext uri="{96DAC541-7B7A-43D3-8B79-37D633B846F1}">
+                <asvg:svgBlip xmlns:asvg="http://schemas.microsoft.com/office/drawing/2016/SVG/main" r:embed="rId63"/>
+              </a:ext>
+            </a:extLst>
+          </a:blip>
+          <a:stretch>
+            <a:fillRect/>
+          </a:stretch>
+        </p:blipFill>
+        <p:spPr>
+          <a:xfrm>
+            <a:off x="1913531" y="3440703"/>
+            <a:ext cx="914400" cy="914400"/>
+          </a:xfrm>
+          <a:prstGeom prst="rect">
+            <a:avLst/>
+          </a:prstGeom>
+        </p:spPr>
+      </p:pic>
+      <p:pic>
+        <p:nvPicPr>
+          <p:cNvPr id="27" name="Grafik 26">
+            <a:extLst>
+              <a:ext uri="{FF2B5EF4-FFF2-40B4-BE49-F238E27FC236}">
+                <a16:creationId xmlns:a16="http://schemas.microsoft.com/office/drawing/2014/main" id="{D04572DF-8B9F-5381-2738-6FE3C875D47E}"/>
+              </a:ext>
+            </a:extLst>
+          </p:cNvPr>
+          <p:cNvPicPr>
+            <a:picLocks noChangeAspect="1"/>
+          </p:cNvPicPr>
+          <p:nvPr/>
+        </p:nvPicPr>
+        <p:blipFill>
+          <a:blip r:embed="rId64">
+            <a:extLst>
+              <a:ext uri="{28A0092B-C50C-407E-A947-70E740481C1C}">
+                <a14:useLocalDpi xmlns:a14="http://schemas.microsoft.com/office/drawing/2010/main" val="0"/>
+              </a:ext>
+              <a:ext uri="{96DAC541-7B7A-43D3-8B79-37D633B846F1}">
+                <asvg:svgBlip xmlns:asvg="http://schemas.microsoft.com/office/drawing/2016/SVG/main" r:embed="rId65"/>
+              </a:ext>
+            </a:extLst>
+          </a:blip>
+          <a:stretch>
+            <a:fillRect/>
+          </a:stretch>
+        </p:blipFill>
+        <p:spPr>
+          <a:xfrm>
+            <a:off x="7921995" y="5976841"/>
+            <a:ext cx="457200" cy="457200"/>
+          </a:xfrm>
+          <a:prstGeom prst="rect">
+            <a:avLst/>
+          </a:prstGeom>
+        </p:spPr>
+      </p:pic>
+      <p:pic>
+        <p:nvPicPr>
+          <p:cNvPr id="29" name="Grafik 28" descr="Daumen runter mit einfarbiger Füllung">
+            <a:extLst>
+              <a:ext uri="{FF2B5EF4-FFF2-40B4-BE49-F238E27FC236}">
+                <a16:creationId xmlns:a16="http://schemas.microsoft.com/office/drawing/2014/main" id="{A3B6E55F-1311-AFB1-280F-18CCC1B99CB8}"/>
+              </a:ext>
+            </a:extLst>
+          </p:cNvPr>
+          <p:cNvPicPr>
+            <a:picLocks noChangeAspect="1"/>
+          </p:cNvPicPr>
+          <p:nvPr/>
+        </p:nvPicPr>
+        <p:blipFill>
+          <a:blip r:embed="rId66">
+            <a:extLst>
+              <a:ext uri="{28A0092B-C50C-407E-A947-70E740481C1C}">
+                <a14:useLocalDpi xmlns:a14="http://schemas.microsoft.com/office/drawing/2010/main" val="0"/>
+              </a:ext>
+              <a:ext uri="{96DAC541-7B7A-43D3-8B79-37D633B846F1}">
+                <asvg:svgBlip xmlns:asvg="http://schemas.microsoft.com/office/drawing/2016/SVG/main" r:embed="rId67"/>
+              </a:ext>
+            </a:extLst>
+          </a:blip>
+          <a:stretch>
+            <a:fillRect/>
+          </a:stretch>
+        </p:blipFill>
+        <p:spPr>
+          <a:xfrm>
+            <a:off x="5251236" y="5860189"/>
+            <a:ext cx="914400" cy="914400"/>
+          </a:xfrm>
+          <a:prstGeom prst="rect">
+            <a:avLst/>
+          </a:prstGeom>
+        </p:spPr>
+      </p:pic>
+      <p:pic>
+        <p:nvPicPr>
+          <p:cNvPr id="32" name="Grafik 31">
+            <a:extLst>
+              <a:ext uri="{FF2B5EF4-FFF2-40B4-BE49-F238E27FC236}">
+                <a16:creationId xmlns:a16="http://schemas.microsoft.com/office/drawing/2014/main" id="{556B121E-06A9-77DB-4D73-1C39034A9A77}"/>
+              </a:ext>
+            </a:extLst>
+          </p:cNvPr>
+          <p:cNvPicPr>
+            <a:picLocks noChangeAspect="1"/>
+          </p:cNvPicPr>
+          <p:nvPr/>
+        </p:nvPicPr>
+        <p:blipFill>
+          <a:blip r:embed="rId68">
+            <a:extLst>
+              <a:ext uri="{28A0092B-C50C-407E-A947-70E740481C1C}">
+                <a14:useLocalDpi xmlns:a14="http://schemas.microsoft.com/office/drawing/2010/main" val="0"/>
+              </a:ext>
+              <a:ext uri="{96DAC541-7B7A-43D3-8B79-37D633B846F1}">
+                <asvg:svgBlip xmlns:asvg="http://schemas.microsoft.com/office/drawing/2016/SVG/main" r:embed="rId69"/>
+              </a:ext>
+            </a:extLst>
+          </a:blip>
+          <a:stretch>
+            <a:fillRect/>
+          </a:stretch>
+        </p:blipFill>
+        <p:spPr>
+          <a:xfrm>
+            <a:off x="3177171" y="2717182"/>
+            <a:ext cx="1150296" cy="1150296"/>
+          </a:xfrm>
+          <a:prstGeom prst="rect">
+            <a:avLst/>
+          </a:prstGeom>
+        </p:spPr>
+      </p:pic>
+      <p:pic>
+        <p:nvPicPr>
+          <p:cNvPr id="36" name="Grafik 35">
+            <a:extLst>
+              <a:ext uri="{FF2B5EF4-FFF2-40B4-BE49-F238E27FC236}">
+                <a16:creationId xmlns:a16="http://schemas.microsoft.com/office/drawing/2014/main" id="{834F5C1E-5AC9-CF05-D30C-D4A26679633D}"/>
+              </a:ext>
+            </a:extLst>
+          </p:cNvPr>
+          <p:cNvPicPr>
+            <a:picLocks noChangeAspect="1"/>
+          </p:cNvPicPr>
+          <p:nvPr/>
+        </p:nvPicPr>
+        <p:blipFill>
+          <a:blip r:embed="rId70">
+            <a:extLst>
+              <a:ext uri="{28A0092B-C50C-407E-A947-70E740481C1C}">
+                <a14:useLocalDpi xmlns:a14="http://schemas.microsoft.com/office/drawing/2010/main" val="0"/>
+              </a:ext>
+              <a:ext uri="{96DAC541-7B7A-43D3-8B79-37D633B846F1}">
+                <asvg:svgBlip xmlns:asvg="http://schemas.microsoft.com/office/drawing/2016/SVG/main" r:embed="rId71"/>
+              </a:ext>
+            </a:extLst>
+          </a:blip>
+          <a:stretch>
+            <a:fillRect/>
+          </a:stretch>
+        </p:blipFill>
+        <p:spPr>
+          <a:xfrm>
+            <a:off x="5867400" y="3200400"/>
+            <a:ext cx="457200" cy="457200"/>
+          </a:xfrm>
+          <a:prstGeom prst="rect">
+            <a:avLst/>
+          </a:prstGeom>
+        </p:spPr>
+      </p:pic>
+      <p:pic>
+        <p:nvPicPr>
+          <p:cNvPr id="40" name="Grafik 39">
+            <a:extLst>
+              <a:ext uri="{FF2B5EF4-FFF2-40B4-BE49-F238E27FC236}">
+                <a16:creationId xmlns:a16="http://schemas.microsoft.com/office/drawing/2014/main" id="{0E58ED59-1F71-00EA-2617-2C47890A0A62}"/>
+              </a:ext>
+            </a:extLst>
+          </p:cNvPr>
+          <p:cNvPicPr>
+            <a:picLocks noChangeAspect="1"/>
+          </p:cNvPicPr>
+          <p:nvPr/>
+        </p:nvPicPr>
+        <p:blipFill>
+          <a:blip r:embed="rId72">
+            <a:extLst>
+              <a:ext uri="{28A0092B-C50C-407E-A947-70E740481C1C}">
+                <a14:useLocalDpi xmlns:a14="http://schemas.microsoft.com/office/drawing/2010/main" val="0"/>
+              </a:ext>
+              <a:ext uri="{96DAC541-7B7A-43D3-8B79-37D633B846F1}">
+                <asvg:svgBlip xmlns:asvg="http://schemas.microsoft.com/office/drawing/2016/SVG/main" r:embed="rId73"/>
+              </a:ext>
+            </a:extLst>
+          </a:blip>
+          <a:stretch>
+            <a:fillRect/>
+          </a:stretch>
+        </p:blipFill>
+        <p:spPr>
+          <a:xfrm>
+            <a:off x="3835770" y="5793239"/>
+            <a:ext cx="457200" cy="457200"/>
+          </a:xfrm>
+          <a:prstGeom prst="rect">
+            <a:avLst/>
+          </a:prstGeom>
+        </p:spPr>
+      </p:pic>
+      <p:pic>
+        <p:nvPicPr>
+          <p:cNvPr id="43" name="Grafik 42">
+            <a:extLst>
+              <a:ext uri="{FF2B5EF4-FFF2-40B4-BE49-F238E27FC236}">
+                <a16:creationId xmlns:a16="http://schemas.microsoft.com/office/drawing/2014/main" id="{10CDC6F9-7DCE-8F26-7D57-D0D4EA0EF103}"/>
+              </a:ext>
+            </a:extLst>
+          </p:cNvPr>
+          <p:cNvPicPr>
+            <a:picLocks noChangeAspect="1"/>
+          </p:cNvPicPr>
+          <p:nvPr/>
+        </p:nvPicPr>
+        <p:blipFill>
+          <a:blip r:embed="rId74">
+            <a:extLst>
+              <a:ext uri="{28A0092B-C50C-407E-A947-70E740481C1C}">
+                <a14:useLocalDpi xmlns:a14="http://schemas.microsoft.com/office/drawing/2010/main" val="0"/>
+              </a:ext>
+              <a:ext uri="{96DAC541-7B7A-43D3-8B79-37D633B846F1}">
+                <asvg:svgBlip xmlns:asvg="http://schemas.microsoft.com/office/drawing/2016/SVG/main" r:embed="rId75"/>
+              </a:ext>
+            </a:extLst>
+          </a:blip>
+          <a:stretch>
+            <a:fillRect/>
+          </a:stretch>
+        </p:blipFill>
+        <p:spPr>
+          <a:xfrm>
+            <a:off x="9834214" y="4802701"/>
             <a:ext cx="457200" cy="457200"/>
           </a:xfrm>
           <a:prstGeom prst="rect">
@@ -3857,6 +4958,171 @@
       </p:par>
     </p:tnLst>
   </p:timing>
+</p:sld>
+</file>
+
+<file path=ppt/slides/slide2.xml><?xml version="1.0" encoding="utf-8"?>
+<p:sld xmlns:a="http://schemas.openxmlformats.org/drawingml/2006/main" xmlns:r="http://schemas.openxmlformats.org/officeDocument/2006/relationships" xmlns:p="http://schemas.openxmlformats.org/presentationml/2006/main">
+  <p:cSld>
+    <p:spTree>
+      <p:nvGrpSpPr>
+        <p:cNvPr id="1" name=""/>
+        <p:cNvGrpSpPr/>
+        <p:nvPr/>
+      </p:nvGrpSpPr>
+      <p:grpSpPr>
+        <a:xfrm>
+          <a:off x="0" y="0"/>
+          <a:ext cx="0" cy="0"/>
+          <a:chOff x="0" y="0"/>
+          <a:chExt cx="0" cy="0"/>
+        </a:xfrm>
+      </p:grpSpPr>
+      <p:pic>
+        <p:nvPicPr>
+          <p:cNvPr id="5" name="Grafik 4" descr="Ein Bild, das Uhr, Symbol, Text, Zahl enthält.&#10;&#10;Automatisch generierte Beschreibung">
+            <a:extLst>
+              <a:ext uri="{FF2B5EF4-FFF2-40B4-BE49-F238E27FC236}">
+                <a16:creationId xmlns:a16="http://schemas.microsoft.com/office/drawing/2014/main" id="{19F489A9-959B-DAE9-7792-0573ABB2472F}"/>
+              </a:ext>
+            </a:extLst>
+          </p:cNvPr>
+          <p:cNvPicPr>
+            <a:picLocks noChangeAspect="1"/>
+          </p:cNvPicPr>
+          <p:nvPr/>
+        </p:nvPicPr>
+        <p:blipFill>
+          <a:blip r:embed="rId2">
+            <a:extLst>
+              <a:ext uri="{BEBA8EAE-BF5A-486C-A8C5-ECC9F3942E4B}">
+                <a14:imgProps xmlns:a14="http://schemas.microsoft.com/office/drawing/2010/main">
+                  <a14:imgLayer r:embed="rId3">
+                    <a14:imgEffect>
+                      <a14:backgroundRemoval t="3000" b="95000" l="3861" r="93050">
+                        <a14:foregroundMark x1="47104" y1="41333" x2="47104" y2="41333"/>
+                        <a14:foregroundMark x1="66795" y1="38000" x2="71815" y2="33333"/>
+                        <a14:foregroundMark x1="61004" y1="52667" x2="57143" y2="58667"/>
+                        <a14:foregroundMark x1="72973" y1="18000" x2="72973" y2="18000"/>
+                        <a14:foregroundMark x1="74517" y1="17000" x2="83012" y2="25000"/>
+                        <a14:foregroundMark x1="72973" y1="10000" x2="88031" y2="24333"/>
+                        <a14:foregroundMark x1="88031" y1="24333" x2="88031" y2="25333"/>
+                        <a14:foregroundMark x1="51746" y1="4869" x2="51006" y2="4659"/>
+                        <a14:foregroundMark x1="73359" y1="11000" x2="54675" y2="5700"/>
+                        <a14:foregroundMark x1="16742" y1="6352" x2="11969" y2="8000"/>
+                        <a14:foregroundMark x1="6029" y1="27000" x2="6754" y2="27813"/>
+                        <a14:foregroundMark x1="93050" y1="29333" x2="93046" y2="29667"/>
+                        <a14:foregroundMark x1="70656" y1="7000" x2="70656" y2="7000"/>
+                        <a14:foregroundMark x1="69498" y1="6333" x2="69498" y2="6333"/>
+                        <a14:foregroundMark x1="88417" y1="22667" x2="88417" y2="22667"/>
+                        <a14:foregroundMark x1="89961" y1="24333" x2="89961" y2="24333"/>
+                        <a14:foregroundMark x1="90347" y1="24333" x2="90347" y2="24333"/>
+                        <a14:foregroundMark x1="90347" y1="23667" x2="90347" y2="23667"/>
+                        <a14:foregroundMark x1="52124" y1="5333" x2="52124" y2="5333"/>
+                        <a14:backgroundMark x1="91892" y1="9333" x2="91892" y2="9333"/>
+                        <a14:backgroundMark x1="89189" y1="12667" x2="97297" y2="23000"/>
+                        <a14:backgroundMark x1="38996" y1="2000" x2="48263" y2="2000"/>
+                        <a14:backgroundMark x1="16216" y1="1667" x2="47104" y2="667"/>
+                        <a14:backgroundMark x1="47104" y1="3333" x2="47104" y2="3333"/>
+                        <a14:backgroundMark x1="46332" y1="3667" x2="51737" y2="3667"/>
+                        <a14:backgroundMark x1="93822" y1="31667" x2="94981" y2="36667"/>
+                        <a14:backgroundMark x1="94208" y1="38000" x2="95367" y2="66333"/>
+                        <a14:backgroundMark x1="93822" y1="29667" x2="93822" y2="39667"/>
+                        <a14:backgroundMark x1="53668" y1="4333" x2="51351" y2="4333"/>
+                        <a14:backgroundMark x1="5792" y1="29000" x2="8494" y2="29333"/>
+                        <a14:backgroundMark x1="3089" y1="25000" x2="3089" y2="27000"/>
+                        <a14:backgroundMark x1="10811" y1="9000" x2="10811" y2="9000"/>
+                        <a14:backgroundMark x1="93050" y1="29667" x2="93050" y2="29667"/>
+                        <a14:backgroundMark x1="93822" y1="28333" x2="93822" y2="28333"/>
+                        <a14:backgroundMark x1="93436" y1="29000" x2="93436" y2="29000"/>
+                        <a14:backgroundMark x1="51351" y1="4667" x2="51351" y2="4667"/>
+                        <a14:backgroundMark x1="51351" y1="4667" x2="51351" y2="4667"/>
+                        <a14:backgroundMark x1="93050" y1="67667" x2="93050" y2="67667"/>
+                        <a14:backgroundMark x1="93050" y1="71667" x2="93050" y2="71667"/>
+                        <a14:backgroundMark x1="93050" y1="67000" x2="93822" y2="71000"/>
+                        <a14:backgroundMark x1="93050" y1="65667" x2="93050" y2="70667"/>
+                        <a14:backgroundMark x1="93436" y1="70667" x2="93822" y2="96667"/>
+                      </a14:backgroundRemoval>
+                    </a14:imgEffect>
+                  </a14:imgLayer>
+                </a14:imgProps>
+              </a:ext>
+              <a:ext uri="{28A0092B-C50C-407E-A947-70E740481C1C}">
+                <a14:useLocalDpi xmlns:a14="http://schemas.microsoft.com/office/drawing/2010/main" val="0"/>
+              </a:ext>
+            </a:extLst>
+          </a:blip>
+          <a:stretch>
+            <a:fillRect/>
+          </a:stretch>
+        </p:blipFill>
+        <p:spPr>
+          <a:xfrm>
+            <a:off x="1418996" y="606946"/>
+            <a:ext cx="2436373" cy="2822054"/>
+          </a:xfrm>
+          <a:prstGeom prst="rect">
+            <a:avLst/>
+          </a:prstGeom>
+        </p:spPr>
+      </p:pic>
+      <p:pic>
+        <p:nvPicPr>
+          <p:cNvPr id="1026" name="Picture 2">
+            <a:extLst>
+              <a:ext uri="{FF2B5EF4-FFF2-40B4-BE49-F238E27FC236}">
+                <a16:creationId xmlns:a16="http://schemas.microsoft.com/office/drawing/2014/main" id="{520FEC8B-7FA4-98CB-D7CF-01836CE33756}"/>
+              </a:ext>
+            </a:extLst>
+          </p:cNvPr>
+          <p:cNvPicPr>
+            <a:picLocks noChangeAspect="1" noChangeArrowheads="1"/>
+          </p:cNvPicPr>
+          <p:nvPr/>
+        </p:nvPicPr>
+        <p:blipFill>
+          <a:blip r:embed="rId4">
+            <a:extLst>
+              <a:ext uri="{28A0092B-C50C-407E-A947-70E740481C1C}">
+                <a14:useLocalDpi xmlns:a14="http://schemas.microsoft.com/office/drawing/2010/main" val="0"/>
+              </a:ext>
+            </a:extLst>
+          </a:blip>
+          <a:srcRect/>
+          <a:stretch>
+            <a:fillRect/>
+          </a:stretch>
+        </p:blipFill>
+        <p:spPr bwMode="auto">
+          <a:xfrm>
+            <a:off x="5848350" y="3124200"/>
+            <a:ext cx="1219200" cy="1219200"/>
+          </a:xfrm>
+          <a:prstGeom prst="rect">
+            <a:avLst/>
+          </a:prstGeom>
+          <a:noFill/>
+          <a:extLst>
+            <a:ext uri="{909E8E84-426E-40DD-AFC4-6F175D3DCCD1}">
+              <a14:hiddenFill xmlns:a14="http://schemas.microsoft.com/office/drawing/2010/main">
+                <a:solidFill>
+                  <a:srgbClr val="FFFFFF"/>
+                </a:solidFill>
+              </a14:hiddenFill>
+            </a:ext>
+          </a:extLst>
+        </p:spPr>
+      </p:pic>
+    </p:spTree>
+    <p:extLst>
+      <p:ext uri="{BB962C8B-B14F-4D97-AF65-F5344CB8AC3E}">
+        <p14:creationId xmlns:p14="http://schemas.microsoft.com/office/powerpoint/2010/main" val="1963653254"/>
+      </p:ext>
+    </p:extLst>
+  </p:cSld>
+  <p:clrMapOvr>
+    <a:masterClrMapping/>
+  </p:clrMapOvr>
 </p:sld>
 </file>
 
